--- a/ICML2022/01 - VW_APS_Intro.pptx
+++ b/ICML2022/01 - VW_APS_Intro.pptx
@@ -112,6 +112,11 @@
       </a:defRPr>
     </a:lvl9pPr>
   </p:defaultTextStyle>
+  <p:extLst>
+    <p:ext uri="{EFAFB233-063F-42B5-8137-9DF3F51BA10A}">
+      <p15:sldGuideLst xmlns:p15="http://schemas.microsoft.com/office/powerpoint/2012/main"/>
+    </p:ext>
+  </p:extLst>
 </p:presentation>
 </file>
 
@@ -121,43 +126,6 @@
     <p1510:client id="{E993331F-76ED-4783-911E-B57A047A0786}" v="5" dt="2022-07-16T23:10:50.686"/>
   </p1510:revLst>
 </p1510:revInfo>
-</file>
-
-<file path=ppt/changesInfos/changesInfo1.xml><?xml version="1.0" encoding="utf-8"?>
-<pc:chgInfo xmlns:a="http://schemas.openxmlformats.org/drawingml/2006/main" xmlns:r="http://schemas.openxmlformats.org/officeDocument/2006/relationships" xmlns:ac="http://schemas.microsoft.com/office/drawing/2013/main/command" xmlns:pc="http://schemas.microsoft.com/office/powerpoint/2013/main/command">
-  <pc:docChgLst>
-    <pc:chgData name="John Langford" userId="d477da29-983e-4c0b-9407-3d4de08b5787" providerId="ADAL" clId="{E993331F-76ED-4783-911E-B57A047A0786}"/>
-    <pc:docChg chg="custSel modSld">
-      <pc:chgData name="John Langford" userId="d477da29-983e-4c0b-9407-3d4de08b5787" providerId="ADAL" clId="{E993331F-76ED-4783-911E-B57A047A0786}" dt="2022-07-16T23:10:50.685" v="5" actId="1076"/>
-      <pc:docMkLst>
-        <pc:docMk/>
-      </pc:docMkLst>
-      <pc:sldChg chg="addSp delSp modSp mod">
-        <pc:chgData name="John Langford" userId="d477da29-983e-4c0b-9407-3d4de08b5787" providerId="ADAL" clId="{E993331F-76ED-4783-911E-B57A047A0786}" dt="2022-07-16T23:10:50.685" v="5" actId="1076"/>
-        <pc:sldMkLst>
-          <pc:docMk/>
-          <pc:sldMk cId="1918386903" sldId="264"/>
-        </pc:sldMkLst>
-        <pc:spChg chg="del">
-          <ac:chgData name="John Langford" userId="d477da29-983e-4c0b-9407-3d4de08b5787" providerId="ADAL" clId="{E993331F-76ED-4783-911E-B57A047A0786}" dt="2022-07-16T23:10:44.240" v="4" actId="21"/>
-          <ac:spMkLst>
-            <pc:docMk/>
-            <pc:sldMk cId="1918386903" sldId="264"/>
-            <ac:spMk id="3" creationId="{1DD01413-32ED-0099-0EB6-B0772C56E7F4}"/>
-          </ac:spMkLst>
-        </pc:spChg>
-        <pc:picChg chg="add mod">
-          <ac:chgData name="John Langford" userId="d477da29-983e-4c0b-9407-3d4de08b5787" providerId="ADAL" clId="{E993331F-76ED-4783-911E-B57A047A0786}" dt="2022-07-16T23:10:50.685" v="5" actId="1076"/>
-          <ac:picMkLst>
-            <pc:docMk/>
-            <pc:sldMk cId="1918386903" sldId="264"/>
-            <ac:picMk id="5122" creationId="{3DD5795A-FD84-4113-A7AF-E0710CFD99DC}"/>
-          </ac:picMkLst>
-        </pc:picChg>
-      </pc:sldChg>
-    </pc:docChg>
-  </pc:docChgLst>
-</pc:chgInfo>
 </file>
 
 <file path=ppt/slideLayouts/slideLayout1.xml><?xml version="1.0" encoding="utf-8"?>
@@ -307,7 +275,7 @@
           <a:p>
             <a:fld id="{324137F8-85A2-474E-9C11-2C932149CACD}" type="datetimeFigureOut">
               <a:rPr lang="en-US" smtClean="0"/>
-              <a:t>7/16/2022</a:t>
+              <a:t>7/17/2022</a:t>
             </a:fld>
             <a:endParaRPr lang="en-US"/>
           </a:p>
@@ -505,7 +473,7 @@
           <a:p>
             <a:fld id="{324137F8-85A2-474E-9C11-2C932149CACD}" type="datetimeFigureOut">
               <a:rPr lang="en-US" smtClean="0"/>
-              <a:t>7/16/2022</a:t>
+              <a:t>7/17/2022</a:t>
             </a:fld>
             <a:endParaRPr lang="en-US"/>
           </a:p>
@@ -713,7 +681,7 @@
           <a:p>
             <a:fld id="{324137F8-85A2-474E-9C11-2C932149CACD}" type="datetimeFigureOut">
               <a:rPr lang="en-US" smtClean="0"/>
-              <a:t>7/16/2022</a:t>
+              <a:t>7/17/2022</a:t>
             </a:fld>
             <a:endParaRPr lang="en-US"/>
           </a:p>
@@ -911,7 +879,7 @@
           <a:p>
             <a:fld id="{324137F8-85A2-474E-9C11-2C932149CACD}" type="datetimeFigureOut">
               <a:rPr lang="en-US" smtClean="0"/>
-              <a:t>7/16/2022</a:t>
+              <a:t>7/17/2022</a:t>
             </a:fld>
             <a:endParaRPr lang="en-US"/>
           </a:p>
@@ -1186,7 +1154,7 @@
           <a:p>
             <a:fld id="{324137F8-85A2-474E-9C11-2C932149CACD}" type="datetimeFigureOut">
               <a:rPr lang="en-US" smtClean="0"/>
-              <a:t>7/16/2022</a:t>
+              <a:t>7/17/2022</a:t>
             </a:fld>
             <a:endParaRPr lang="en-US"/>
           </a:p>
@@ -1451,7 +1419,7 @@
           <a:p>
             <a:fld id="{324137F8-85A2-474E-9C11-2C932149CACD}" type="datetimeFigureOut">
               <a:rPr lang="en-US" smtClean="0"/>
-              <a:t>7/16/2022</a:t>
+              <a:t>7/17/2022</a:t>
             </a:fld>
             <a:endParaRPr lang="en-US"/>
           </a:p>
@@ -1863,7 +1831,7 @@
           <a:p>
             <a:fld id="{324137F8-85A2-474E-9C11-2C932149CACD}" type="datetimeFigureOut">
               <a:rPr lang="en-US" smtClean="0"/>
-              <a:t>7/16/2022</a:t>
+              <a:t>7/17/2022</a:t>
             </a:fld>
             <a:endParaRPr lang="en-US"/>
           </a:p>
@@ -2004,7 +1972,7 @@
           <a:p>
             <a:fld id="{324137F8-85A2-474E-9C11-2C932149CACD}" type="datetimeFigureOut">
               <a:rPr lang="en-US" smtClean="0"/>
-              <a:t>7/16/2022</a:t>
+              <a:t>7/17/2022</a:t>
             </a:fld>
             <a:endParaRPr lang="en-US"/>
           </a:p>
@@ -2117,7 +2085,7 @@
           <a:p>
             <a:fld id="{324137F8-85A2-474E-9C11-2C932149CACD}" type="datetimeFigureOut">
               <a:rPr lang="en-US" smtClean="0"/>
-              <a:t>7/16/2022</a:t>
+              <a:t>7/17/2022</a:t>
             </a:fld>
             <a:endParaRPr lang="en-US"/>
           </a:p>
@@ -2428,7 +2396,7 @@
           <a:p>
             <a:fld id="{324137F8-85A2-474E-9C11-2C932149CACD}" type="datetimeFigureOut">
               <a:rPr lang="en-US" smtClean="0"/>
-              <a:t>7/16/2022</a:t>
+              <a:t>7/17/2022</a:t>
             </a:fld>
             <a:endParaRPr lang="en-US"/>
           </a:p>
@@ -2716,7 +2684,7 @@
           <a:p>
             <a:fld id="{324137F8-85A2-474E-9C11-2C932149CACD}" type="datetimeFigureOut">
               <a:rPr lang="en-US" smtClean="0"/>
-              <a:t>7/16/2022</a:t>
+              <a:t>7/17/2022</a:t>
             </a:fld>
             <a:endParaRPr lang="en-US"/>
           </a:p>
@@ -2957,7 +2925,7 @@
           <a:p>
             <a:fld id="{324137F8-85A2-474E-9C11-2C932149CACD}" type="datetimeFigureOut">
               <a:rPr lang="en-US" smtClean="0"/>
-              <a:t>7/16/2022</a:t>
+              <a:t>7/17/2022</a:t>
             </a:fld>
             <a:endParaRPr lang="en-US"/>
           </a:p>
@@ -3399,7 +3367,7 @@
           <a:p>
             <a:r>
               <a:rPr lang="en-US" sz="4000" dirty="0"/>
-              <a:t>VW 9.2 &amp; Personalizer upgrades</a:t>
+              <a:t>Real World RL with VW 9.2 &amp; Azure Personalizer</a:t>
             </a:r>
           </a:p>
           <a:p>
@@ -9075,6 +9043,67 @@
             <a:pPr marL="0" indent="0">
               <a:buNone/>
             </a:pPr>
+            <a:r>
+              <a:rPr lang="en-US" dirty="0"/>
+              <a:t>12:10-12:50 Anatomy of </a:t>
+            </a:r>
+            <a:r>
+              <a:rPr lang="en-US" dirty="0" err="1"/>
+              <a:t>Vowpal</a:t>
+            </a:r>
+            <a:r>
+              <a:rPr lang="en-US" dirty="0"/>
+              <a:t> Wabbit &amp; Reductions Cookbook</a:t>
+            </a:r>
+          </a:p>
+          <a:p>
+            <a:pPr marL="0" indent="0">
+              <a:buNone/>
+            </a:pPr>
+            <a:r>
+              <a:rPr lang="en-US" dirty="0"/>
+              <a:t>12:50-1:05   Break</a:t>
+            </a:r>
+          </a:p>
+          <a:p>
+            <a:pPr marL="0" indent="0">
+              <a:buNone/>
+            </a:pPr>
+            <a:r>
+              <a:rPr lang="en-US" dirty="0"/>
+              <a:t>1:05-1:50     What is new in </a:t>
+            </a:r>
+            <a:r>
+              <a:rPr lang="en-US" dirty="0" err="1"/>
+              <a:t>Vowpal</a:t>
+            </a:r>
+            <a:r>
+              <a:rPr lang="en-US" dirty="0"/>
+              <a:t> Wabbit 9</a:t>
+            </a:r>
+          </a:p>
+          <a:p>
+            <a:pPr marL="0" indent="0">
+              <a:buNone/>
+            </a:pPr>
+            <a:r>
+              <a:rPr lang="en-US" dirty="0"/>
+              <a:t>1:50-2:05     Break</a:t>
+            </a:r>
+          </a:p>
+          <a:p>
+            <a:pPr marL="0" indent="0">
+              <a:buNone/>
+            </a:pPr>
+            <a:r>
+              <a:rPr lang="en-US" dirty="0"/>
+              <a:t>2:05-2:50      Azure Personalizer Service (VW-as-a-service)</a:t>
+            </a:r>
+          </a:p>
+          <a:p>
+            <a:pPr marL="0" indent="0">
+              <a:buNone/>
+            </a:pPr>
             <a:endParaRPr lang="en-US" dirty="0"/>
           </a:p>
         </p:txBody>
